--- a/BeerDataAnalysis.pptx
+++ b/BeerDataAnalysis.pptx
@@ -142,38 +142,7 @@
     </mc:Fallback>
   </mc:AlternateContent>
   <c:chart>
-    <c:title>
-      <c:layout/>
-      <c:overlay val="0"/>
-      <c:spPr>
-        <a:noFill/>
-        <a:ln>
-          <a:noFill/>
-        </a:ln>
-        <a:effectLst/>
-      </c:spPr>
-      <c:txPr>
-        <a:bodyPr rot="0" spcFirstLastPara="1" vertOverflow="ellipsis" vert="horz" wrap="square" anchor="ctr" anchorCtr="1"/>
-        <a:lstStyle/>
-        <a:p>
-          <a:pPr>
-            <a:defRPr sz="1400" b="0" i="0" u="none" strike="noStrike" kern="1200" spc="0" baseline="0">
-              <a:solidFill>
-                <a:schemeClr val="tx1">
-                  <a:lumMod val="65000"/>
-                  <a:lumOff val="35000"/>
-                </a:schemeClr>
-              </a:solidFill>
-              <a:latin typeface="+mn-lt"/>
-              <a:ea typeface="+mn-ea"/>
-              <a:cs typeface="+mn-cs"/>
-            </a:defRPr>
-          </a:pPr>
-          <a:endParaRPr lang="en-US"/>
-        </a:p>
-      </c:txPr>
-    </c:title>
-    <c:autoTitleDeleted val="0"/>
+    <c:autoTitleDeleted val="1"/>
     <c:plotArea>
       <c:layout/>
       <c:lineChart>
@@ -550,7 +519,6 @@
           <c:smooth val="0"/>
         </c:ser>
         <c:dLbls>
-          <c:dLblPos val="t"/>
           <c:showLegendKey val="0"/>
           <c:showVal val="0"/>
           <c:showCatName val="0"/>
@@ -560,11 +528,11 @@
         </c:dLbls>
         <c:marker val="1"/>
         <c:smooth val="0"/>
-        <c:axId val="147440248"/>
-        <c:axId val="147440632"/>
+        <c:axId val="146479728"/>
+        <c:axId val="146480120"/>
       </c:lineChart>
       <c:catAx>
-        <c:axId val="147440248"/>
+        <c:axId val="146479728"/>
         <c:scaling>
           <c:orientation val="minMax"/>
         </c:scaling>
@@ -607,7 +575,7 @@
             <a:endParaRPr lang="en-US"/>
           </a:p>
         </c:txPr>
-        <c:crossAx val="147440632"/>
+        <c:crossAx val="146480120"/>
         <c:crosses val="autoZero"/>
         <c:auto val="0"/>
         <c:lblAlgn val="ctr"/>
@@ -615,7 +583,7 @@
         <c:noMultiLvlLbl val="0"/>
       </c:catAx>
       <c:valAx>
-        <c:axId val="147440632"/>
+        <c:axId val="146480120"/>
         <c:scaling>
           <c:orientation val="minMax"/>
         </c:scaling>
@@ -666,7 +634,7 @@
             <a:endParaRPr lang="en-US"/>
           </a:p>
         </c:txPr>
-        <c:crossAx val="147440248"/>
+        <c:crossAx val="146479728"/>
         <c:crosses val="autoZero"/>
         <c:crossBetween val="between"/>
       </c:valAx>
@@ -719,38 +687,7 @@
     </mc:Fallback>
   </mc:AlternateContent>
   <c:chart>
-    <c:title>
-      <c:layout/>
-      <c:overlay val="0"/>
-      <c:spPr>
-        <a:noFill/>
-        <a:ln>
-          <a:noFill/>
-        </a:ln>
-        <a:effectLst/>
-      </c:spPr>
-      <c:txPr>
-        <a:bodyPr rot="0" spcFirstLastPara="1" vertOverflow="ellipsis" vert="horz" wrap="square" anchor="ctr" anchorCtr="1"/>
-        <a:lstStyle/>
-        <a:p>
-          <a:pPr>
-            <a:defRPr sz="1400" b="0" i="0" u="none" strike="noStrike" kern="1200" spc="0" baseline="0">
-              <a:solidFill>
-                <a:schemeClr val="tx1">
-                  <a:lumMod val="65000"/>
-                  <a:lumOff val="35000"/>
-                </a:schemeClr>
-              </a:solidFill>
-              <a:latin typeface="+mn-lt"/>
-              <a:ea typeface="+mn-ea"/>
-              <a:cs typeface="+mn-cs"/>
-            </a:defRPr>
-          </a:pPr>
-          <a:endParaRPr lang="en-US"/>
-        </a:p>
-      </c:txPr>
-    </c:title>
-    <c:autoTitleDeleted val="0"/>
+    <c:autoTitleDeleted val="1"/>
     <c:plotArea>
       <c:layout/>
       <c:lineChart>
@@ -1136,11 +1073,11 @@
         </c:dLbls>
         <c:marker val="1"/>
         <c:smooth val="0"/>
-        <c:axId val="147630424"/>
-        <c:axId val="147557344"/>
+        <c:axId val="146480904"/>
+        <c:axId val="146481296"/>
       </c:lineChart>
       <c:catAx>
-        <c:axId val="147630424"/>
+        <c:axId val="146480904"/>
         <c:scaling>
           <c:orientation val="minMax"/>
         </c:scaling>
@@ -1183,7 +1120,7 @@
             <a:endParaRPr lang="en-US"/>
           </a:p>
         </c:txPr>
-        <c:crossAx val="147557344"/>
+        <c:crossAx val="146481296"/>
         <c:crosses val="autoZero"/>
         <c:auto val="1"/>
         <c:lblAlgn val="ctr"/>
@@ -1191,7 +1128,7 @@
         <c:noMultiLvlLbl val="0"/>
       </c:catAx>
       <c:valAx>
-        <c:axId val="147557344"/>
+        <c:axId val="146481296"/>
         <c:scaling>
           <c:orientation val="minMax"/>
         </c:scaling>
@@ -1242,7 +1179,7 @@
             <a:endParaRPr lang="en-US"/>
           </a:p>
         </c:txPr>
-        <c:crossAx val="147630424"/>
+        <c:crossAx val="146480904"/>
         <c:crosses val="autoZero"/>
         <c:crossBetween val="between"/>
       </c:valAx>
@@ -1295,38 +1232,7 @@
     </mc:Fallback>
   </mc:AlternateContent>
   <c:chart>
-    <c:title>
-      <c:layout/>
-      <c:overlay val="0"/>
-      <c:spPr>
-        <a:noFill/>
-        <a:ln>
-          <a:noFill/>
-        </a:ln>
-        <a:effectLst/>
-      </c:spPr>
-      <c:txPr>
-        <a:bodyPr rot="0" spcFirstLastPara="1" vertOverflow="ellipsis" vert="horz" wrap="square" anchor="ctr" anchorCtr="1"/>
-        <a:lstStyle/>
-        <a:p>
-          <a:pPr>
-            <a:defRPr sz="1400" b="0" i="0" u="none" strike="noStrike" kern="1200" spc="0" baseline="0">
-              <a:solidFill>
-                <a:schemeClr val="tx1">
-                  <a:lumMod val="65000"/>
-                  <a:lumOff val="35000"/>
-                </a:schemeClr>
-              </a:solidFill>
-              <a:latin typeface="+mn-lt"/>
-              <a:ea typeface="+mn-ea"/>
-              <a:cs typeface="+mn-cs"/>
-            </a:defRPr>
-          </a:pPr>
-          <a:endParaRPr lang="en-US"/>
-        </a:p>
-      </c:txPr>
-    </c:title>
-    <c:autoTitleDeleted val="0"/>
+    <c:autoTitleDeleted val="1"/>
     <c:plotArea>
       <c:layout/>
       <c:lineChart>
@@ -1712,11 +1618,11 @@
         </c:dLbls>
         <c:marker val="1"/>
         <c:smooth val="0"/>
-        <c:axId val="147261488"/>
-        <c:axId val="147679032"/>
+        <c:axId val="146482080"/>
+        <c:axId val="146482472"/>
       </c:lineChart>
       <c:catAx>
-        <c:axId val="147261488"/>
+        <c:axId val="146482080"/>
         <c:scaling>
           <c:orientation val="minMax"/>
         </c:scaling>
@@ -1759,7 +1665,7 @@
             <a:endParaRPr lang="en-US"/>
           </a:p>
         </c:txPr>
-        <c:crossAx val="147679032"/>
+        <c:crossAx val="146482472"/>
         <c:crosses val="autoZero"/>
         <c:auto val="1"/>
         <c:lblAlgn val="ctr"/>
@@ -1767,7 +1673,7 @@
         <c:noMultiLvlLbl val="0"/>
       </c:catAx>
       <c:valAx>
-        <c:axId val="147679032"/>
+        <c:axId val="146482472"/>
         <c:scaling>
           <c:orientation val="minMax"/>
         </c:scaling>
@@ -1818,7 +1724,7 @@
             <a:endParaRPr lang="en-US"/>
           </a:p>
         </c:txPr>
-        <c:crossAx val="147261488"/>
+        <c:crossAx val="146482080"/>
         <c:crosses val="autoZero"/>
         <c:crossBetween val="between"/>
       </c:valAx>
@@ -1871,38 +1777,7 @@
     </mc:Fallback>
   </mc:AlternateContent>
   <c:chart>
-    <c:title>
-      <c:layout/>
-      <c:overlay val="0"/>
-      <c:spPr>
-        <a:noFill/>
-        <a:ln>
-          <a:noFill/>
-        </a:ln>
-        <a:effectLst/>
-      </c:spPr>
-      <c:txPr>
-        <a:bodyPr rot="0" spcFirstLastPara="1" vertOverflow="ellipsis" vert="horz" wrap="square" anchor="ctr" anchorCtr="1"/>
-        <a:lstStyle/>
-        <a:p>
-          <a:pPr>
-            <a:defRPr sz="1400" b="0" i="0" u="none" strike="noStrike" kern="1200" spc="0" baseline="0">
-              <a:solidFill>
-                <a:schemeClr val="tx1">
-                  <a:lumMod val="65000"/>
-                  <a:lumOff val="35000"/>
-                </a:schemeClr>
-              </a:solidFill>
-              <a:latin typeface="+mn-lt"/>
-              <a:ea typeface="+mn-ea"/>
-              <a:cs typeface="+mn-cs"/>
-            </a:defRPr>
-          </a:pPr>
-          <a:endParaRPr lang="en-US"/>
-        </a:p>
-      </c:txPr>
-    </c:title>
-    <c:autoTitleDeleted val="0"/>
+    <c:autoTitleDeleted val="1"/>
     <c:plotArea>
       <c:layout/>
       <c:lineChart>
@@ -2123,11 +1998,11 @@
         </c:dLbls>
         <c:marker val="1"/>
         <c:smooth val="0"/>
-        <c:axId val="147839000"/>
-        <c:axId val="146736376"/>
+        <c:axId val="146483256"/>
+        <c:axId val="146271720"/>
       </c:lineChart>
       <c:catAx>
-        <c:axId val="147839000"/>
+        <c:axId val="146483256"/>
         <c:scaling>
           <c:orientation val="minMax"/>
         </c:scaling>
@@ -2169,7 +2044,7 @@
             <a:endParaRPr lang="en-US"/>
           </a:p>
         </c:txPr>
-        <c:crossAx val="146736376"/>
+        <c:crossAx val="146271720"/>
         <c:crosses val="autoZero"/>
         <c:auto val="1"/>
         <c:lblAlgn val="ctr"/>
@@ -2177,7 +2052,7 @@
         <c:noMultiLvlLbl val="0"/>
       </c:catAx>
       <c:valAx>
-        <c:axId val="146736376"/>
+        <c:axId val="146271720"/>
         <c:scaling>
           <c:orientation val="minMax"/>
         </c:scaling>
@@ -2228,7 +2103,7 @@
             <a:endParaRPr lang="en-US"/>
           </a:p>
         </c:txPr>
-        <c:crossAx val="147839000"/>
+        <c:crossAx val="146483256"/>
         <c:crosses val="autoZero"/>
         <c:crossBetween val="between"/>
       </c:valAx>
@@ -2281,38 +2156,7 @@
     </mc:Fallback>
   </mc:AlternateContent>
   <c:chart>
-    <c:title>
-      <c:layout/>
-      <c:overlay val="0"/>
-      <c:spPr>
-        <a:noFill/>
-        <a:ln>
-          <a:noFill/>
-        </a:ln>
-        <a:effectLst/>
-      </c:spPr>
-      <c:txPr>
-        <a:bodyPr rot="0" spcFirstLastPara="1" vertOverflow="ellipsis" vert="horz" wrap="square" anchor="ctr" anchorCtr="1"/>
-        <a:lstStyle/>
-        <a:p>
-          <a:pPr>
-            <a:defRPr sz="1400" b="0" i="0" u="none" strike="noStrike" kern="1200" spc="0" baseline="0">
-              <a:solidFill>
-                <a:schemeClr val="tx1">
-                  <a:lumMod val="65000"/>
-                  <a:lumOff val="35000"/>
-                </a:schemeClr>
-              </a:solidFill>
-              <a:latin typeface="+mn-lt"/>
-              <a:ea typeface="+mn-ea"/>
-              <a:cs typeface="+mn-cs"/>
-            </a:defRPr>
-          </a:pPr>
-          <a:endParaRPr lang="en-US"/>
-        </a:p>
-      </c:txPr>
-    </c:title>
-    <c:autoTitleDeleted val="0"/>
+    <c:autoTitleDeleted val="1"/>
     <c:plotArea>
       <c:layout/>
       <c:lineChart>
@@ -2533,11 +2377,11 @@
         </c:dLbls>
         <c:marker val="1"/>
         <c:smooth val="0"/>
-        <c:axId val="146737160"/>
-        <c:axId val="147922488"/>
+        <c:axId val="146272504"/>
+        <c:axId val="146272896"/>
       </c:lineChart>
       <c:catAx>
-        <c:axId val="146737160"/>
+        <c:axId val="146272504"/>
         <c:scaling>
           <c:orientation val="minMax"/>
         </c:scaling>
@@ -2579,7 +2423,7 @@
             <a:endParaRPr lang="en-US"/>
           </a:p>
         </c:txPr>
-        <c:crossAx val="147922488"/>
+        <c:crossAx val="146272896"/>
         <c:crosses val="autoZero"/>
         <c:auto val="1"/>
         <c:lblAlgn val="ctr"/>
@@ -2587,7 +2431,7 @@
         <c:noMultiLvlLbl val="0"/>
       </c:catAx>
       <c:valAx>
-        <c:axId val="147922488"/>
+        <c:axId val="146272896"/>
         <c:scaling>
           <c:orientation val="minMax"/>
         </c:scaling>
@@ -2638,7 +2482,7 @@
             <a:endParaRPr lang="en-US"/>
           </a:p>
         </c:txPr>
-        <c:crossAx val="146737160"/>
+        <c:crossAx val="146272504"/>
         <c:crosses val="autoZero"/>
         <c:crossBetween val="between"/>
       </c:valAx>
@@ -2691,38 +2535,7 @@
     </mc:Fallback>
   </mc:AlternateContent>
   <c:chart>
-    <c:title>
-      <c:layout/>
-      <c:overlay val="0"/>
-      <c:spPr>
-        <a:noFill/>
-        <a:ln>
-          <a:noFill/>
-        </a:ln>
-        <a:effectLst/>
-      </c:spPr>
-      <c:txPr>
-        <a:bodyPr rot="0" spcFirstLastPara="1" vertOverflow="ellipsis" vert="horz" wrap="square" anchor="ctr" anchorCtr="1"/>
-        <a:lstStyle/>
-        <a:p>
-          <a:pPr>
-            <a:defRPr sz="1400" b="0" i="0" u="none" strike="noStrike" kern="1200" spc="0" baseline="0">
-              <a:solidFill>
-                <a:schemeClr val="tx1">
-                  <a:lumMod val="65000"/>
-                  <a:lumOff val="35000"/>
-                </a:schemeClr>
-              </a:solidFill>
-              <a:latin typeface="+mn-lt"/>
-              <a:ea typeface="+mn-ea"/>
-              <a:cs typeface="+mn-cs"/>
-            </a:defRPr>
-          </a:pPr>
-          <a:endParaRPr lang="en-US"/>
-        </a:p>
-      </c:txPr>
-    </c:title>
-    <c:autoTitleDeleted val="0"/>
+    <c:autoTitleDeleted val="1"/>
     <c:plotArea>
       <c:layout/>
       <c:lineChart>
@@ -2943,11 +2756,11 @@
         </c:dLbls>
         <c:marker val="1"/>
         <c:smooth val="0"/>
-        <c:axId val="147923272"/>
-        <c:axId val="147923664"/>
+        <c:axId val="146273680"/>
+        <c:axId val="146274072"/>
       </c:lineChart>
       <c:catAx>
-        <c:axId val="147923272"/>
+        <c:axId val="146273680"/>
         <c:scaling>
           <c:orientation val="minMax"/>
         </c:scaling>
@@ -2989,7 +2802,7 @@
             <a:endParaRPr lang="en-US"/>
           </a:p>
         </c:txPr>
-        <c:crossAx val="147923664"/>
+        <c:crossAx val="146274072"/>
         <c:crosses val="autoZero"/>
         <c:auto val="1"/>
         <c:lblAlgn val="ctr"/>
@@ -2997,7 +2810,7 @@
         <c:noMultiLvlLbl val="0"/>
       </c:catAx>
       <c:valAx>
-        <c:axId val="147923664"/>
+        <c:axId val="146274072"/>
         <c:scaling>
           <c:orientation val="minMax"/>
         </c:scaling>
@@ -3048,7 +2861,7 @@
             <a:endParaRPr lang="en-US"/>
           </a:p>
         </c:txPr>
-        <c:crossAx val="147923272"/>
+        <c:crossAx val="146273680"/>
         <c:crosses val="autoZero"/>
         <c:crossBetween val="between"/>
       </c:valAx>
@@ -3793,11 +3606,11 @@
         </c:dLbls>
         <c:marker val="1"/>
         <c:smooth val="0"/>
-        <c:axId val="147924448"/>
-        <c:axId val="147924840"/>
+        <c:axId val="146275248"/>
+        <c:axId val="146635120"/>
       </c:lineChart>
       <c:catAx>
-        <c:axId val="147924448"/>
+        <c:axId val="146275248"/>
         <c:scaling>
           <c:orientation val="minMax"/>
         </c:scaling>
@@ -3839,7 +3652,7 @@
             <a:endParaRPr lang="en-US"/>
           </a:p>
         </c:txPr>
-        <c:crossAx val="147924840"/>
+        <c:crossAx val="146635120"/>
         <c:crosses val="autoZero"/>
         <c:auto val="1"/>
         <c:lblAlgn val="ctr"/>
@@ -3847,7 +3660,7 @@
         <c:noMultiLvlLbl val="0"/>
       </c:catAx>
       <c:valAx>
-        <c:axId val="147924840"/>
+        <c:axId val="146635120"/>
         <c:scaling>
           <c:orientation val="minMax"/>
         </c:scaling>
@@ -3898,7 +3711,7 @@
             <a:endParaRPr lang="en-US"/>
           </a:p>
         </c:txPr>
-        <c:crossAx val="147924448"/>
+        <c:crossAx val="146275248"/>
         <c:crosses val="autoZero"/>
         <c:crossBetween val="between"/>
       </c:valAx>
@@ -4675,11 +4488,11 @@
         </c:dLbls>
         <c:marker val="1"/>
         <c:smooth val="0"/>
-        <c:axId val="147925624"/>
-        <c:axId val="147926016"/>
+        <c:axId val="146635904"/>
+        <c:axId val="146636296"/>
       </c:lineChart>
       <c:catAx>
-        <c:axId val="147925624"/>
+        <c:axId val="146635904"/>
         <c:scaling>
           <c:orientation val="minMax"/>
         </c:scaling>
@@ -4721,7 +4534,7 @@
             <a:endParaRPr lang="en-US"/>
           </a:p>
         </c:txPr>
-        <c:crossAx val="147926016"/>
+        <c:crossAx val="146636296"/>
         <c:crosses val="autoZero"/>
         <c:auto val="1"/>
         <c:lblAlgn val="ctr"/>
@@ -4729,7 +4542,7 @@
         <c:noMultiLvlLbl val="0"/>
       </c:catAx>
       <c:valAx>
-        <c:axId val="147926016"/>
+        <c:axId val="146636296"/>
         <c:scaling>
           <c:orientation val="minMax"/>
         </c:scaling>
@@ -4780,7 +4593,7 @@
             <a:endParaRPr lang="en-US"/>
           </a:p>
         </c:txPr>
-        <c:crossAx val="147925624"/>
+        <c:crossAx val="146635904"/>
         <c:crosses val="autoZero"/>
         <c:crossBetween val="between"/>
       </c:valAx>
@@ -13483,11 +13296,6 @@
               </a:rPr>
               <a:t>1887.255795</a:t>
             </a:r>
-            <a:endParaRPr lang="en-US" sz="2400" dirty="0">
-              <a:solidFill>
-                <a:srgbClr val="7030A0"/>
-              </a:solidFill>
-            </a:endParaRPr>
           </a:p>
         </p:txBody>
       </p:sp>
@@ -18228,7 +18036,7 @@
           <p:nvPr>
             <p:extLst>
               <p:ext uri="{D42A27DB-BD31-4B8C-83A1-F6EECF244321}">
-                <p14:modId xmlns:p14="http://schemas.microsoft.com/office/powerpoint/2010/main" val="3432199871"/>
+                <p14:modId xmlns:p14="http://schemas.microsoft.com/office/powerpoint/2010/main" val="3465769027"/>
               </p:ext>
             </p:extLst>
           </p:nvPr>
@@ -18274,6 +18082,158 @@
           </a:p>
         </p:txBody>
       </p:sp>
+      <p:sp>
+        <p:nvSpPr>
+          <p:cNvPr id="6" name="Rectangle 5"/>
+          <p:cNvSpPr/>
+          <p:nvPr/>
+        </p:nvSpPr>
+        <p:spPr>
+          <a:xfrm>
+            <a:off x="9478283" y="5242168"/>
+            <a:ext cx="654346" cy="307777"/>
+          </a:xfrm>
+          <a:prstGeom prst="rect">
+            <a:avLst/>
+          </a:prstGeom>
+        </p:spPr>
+        <p:txBody>
+          <a:bodyPr wrap="none">
+            <a:spAutoFit/>
+          </a:bodyPr>
+          <a:lstStyle/>
+          <a:p>
+            <a:pPr algn="ctr">
+              <a:defRPr sz="1400" b="0" i="0" u="none" strike="noStrike" kern="1200" spc="0" baseline="0">
+                <a:solidFill>
+                  <a:prstClr val="black">
+                    <a:lumMod val="65000"/>
+                    <a:lumOff val="35000"/>
+                  </a:prstClr>
+                </a:solidFill>
+                <a:latin typeface="+mn-lt"/>
+                <a:ea typeface="+mn-ea"/>
+                <a:cs typeface="+mn-cs"/>
+              </a:defRPr>
+            </a:pPr>
+            <a:r>
+              <a:rPr lang="en-US" dirty="0" smtClean="0"/>
+              <a:t>WEEK </a:t>
+            </a:r>
+            <a:endParaRPr lang="en-US" dirty="0"/>
+          </a:p>
+        </p:txBody>
+      </p:sp>
+      <p:cxnSp>
+        <p:nvCxnSpPr>
+          <p:cNvPr id="8" name="Straight Arrow Connector 7"/>
+          <p:cNvCxnSpPr>
+            <a:stCxn id="6" idx="3"/>
+          </p:cNvCxnSpPr>
+          <p:nvPr/>
+        </p:nvCxnSpPr>
+        <p:spPr>
+          <a:xfrm flipV="1">
+            <a:off x="10132629" y="5396056"/>
+            <a:ext cx="762898" cy="1"/>
+          </a:xfrm>
+          <a:prstGeom prst="straightConnector1">
+            <a:avLst/>
+          </a:prstGeom>
+          <a:ln>
+            <a:tailEnd type="triangle"/>
+          </a:ln>
+        </p:spPr>
+        <p:style>
+          <a:lnRef idx="1">
+            <a:schemeClr val="accent1"/>
+          </a:lnRef>
+          <a:fillRef idx="0">
+            <a:schemeClr val="accent1"/>
+          </a:fillRef>
+          <a:effectRef idx="0">
+            <a:schemeClr val="accent1"/>
+          </a:effectRef>
+          <a:fontRef idx="minor">
+            <a:schemeClr val="tx1"/>
+          </a:fontRef>
+        </p:style>
+      </p:cxnSp>
+      <p:sp>
+        <p:nvSpPr>
+          <p:cNvPr id="10" name="Rectangle 9"/>
+          <p:cNvSpPr/>
+          <p:nvPr/>
+        </p:nvSpPr>
+        <p:spPr>
+          <a:xfrm rot="16200000">
+            <a:off x="-43491" y="2772836"/>
+            <a:ext cx="1013418" cy="307777"/>
+          </a:xfrm>
+          <a:prstGeom prst="rect">
+            <a:avLst/>
+          </a:prstGeom>
+        </p:spPr>
+        <p:txBody>
+          <a:bodyPr wrap="none">
+            <a:spAutoFit/>
+          </a:bodyPr>
+          <a:lstStyle/>
+          <a:p>
+            <a:pPr algn="ctr">
+              <a:defRPr sz="1400" b="0" i="0" u="none" strike="noStrike" kern="1200" spc="0" baseline="0">
+                <a:solidFill>
+                  <a:prstClr val="black">
+                    <a:lumMod val="65000"/>
+                    <a:lumOff val="35000"/>
+                  </a:prstClr>
+                </a:solidFill>
+                <a:latin typeface="+mn-lt"/>
+                <a:ea typeface="+mn-ea"/>
+                <a:cs typeface="+mn-cs"/>
+              </a:defRPr>
+            </a:pPr>
+            <a:r>
+              <a:rPr lang="en-US" dirty="0"/>
+              <a:t>PRICE 12PK</a:t>
+            </a:r>
+            <a:endParaRPr lang="en-US" dirty="0"/>
+          </a:p>
+        </p:txBody>
+      </p:sp>
+      <p:cxnSp>
+        <p:nvCxnSpPr>
+          <p:cNvPr id="12" name="Straight Arrow Connector 11"/>
+          <p:cNvCxnSpPr/>
+          <p:nvPr/>
+        </p:nvCxnSpPr>
+        <p:spPr>
+          <a:xfrm flipV="1">
+            <a:off x="437882" y="1403797"/>
+            <a:ext cx="25336" cy="862885"/>
+          </a:xfrm>
+          <a:prstGeom prst="straightConnector1">
+            <a:avLst/>
+          </a:prstGeom>
+          <a:ln>
+            <a:tailEnd type="triangle"/>
+          </a:ln>
+        </p:spPr>
+        <p:style>
+          <a:lnRef idx="1">
+            <a:schemeClr val="accent1"/>
+          </a:lnRef>
+          <a:fillRef idx="0">
+            <a:schemeClr val="accent1"/>
+          </a:fillRef>
+          <a:effectRef idx="0">
+            <a:schemeClr val="accent1"/>
+          </a:effectRef>
+          <a:fontRef idx="minor">
+            <a:schemeClr val="tx1"/>
+          </a:fontRef>
+        </p:style>
+      </p:cxnSp>
     </p:spTree>
     <p:extLst>
       <p:ext uri="{BB962C8B-B14F-4D97-AF65-F5344CB8AC3E}">
@@ -18366,6 +18326,162 @@
           </a:p>
         </p:txBody>
       </p:sp>
+      <p:sp>
+        <p:nvSpPr>
+          <p:cNvPr id="5" name="Rectangle 4"/>
+          <p:cNvSpPr/>
+          <p:nvPr/>
+        </p:nvSpPr>
+        <p:spPr>
+          <a:xfrm>
+            <a:off x="9298745" y="4800600"/>
+            <a:ext cx="654346" cy="307777"/>
+          </a:xfrm>
+          <a:prstGeom prst="rect">
+            <a:avLst/>
+          </a:prstGeom>
+        </p:spPr>
+        <p:txBody>
+          <a:bodyPr wrap="none">
+            <a:spAutoFit/>
+          </a:bodyPr>
+          <a:lstStyle/>
+          <a:p>
+            <a:pPr algn="ctr">
+              <a:defRPr sz="1400" b="0" i="0" u="none" strike="noStrike" kern="1200" spc="0" baseline="0">
+                <a:solidFill>
+                  <a:prstClr val="black">
+                    <a:lumMod val="65000"/>
+                    <a:lumOff val="35000"/>
+                  </a:prstClr>
+                </a:solidFill>
+                <a:latin typeface="+mn-lt"/>
+                <a:ea typeface="+mn-ea"/>
+                <a:cs typeface="+mn-cs"/>
+              </a:defRPr>
+            </a:pPr>
+            <a:r>
+              <a:rPr lang="en-US" dirty="0" smtClean="0"/>
+              <a:t>WEEK </a:t>
+            </a:r>
+            <a:endParaRPr lang="en-US" dirty="0"/>
+          </a:p>
+        </p:txBody>
+      </p:sp>
+      <p:cxnSp>
+        <p:nvCxnSpPr>
+          <p:cNvPr id="6" name="Straight Arrow Connector 5"/>
+          <p:cNvCxnSpPr>
+            <a:stCxn id="5" idx="3"/>
+          </p:cNvCxnSpPr>
+          <p:nvPr/>
+        </p:nvCxnSpPr>
+        <p:spPr>
+          <a:xfrm flipV="1">
+            <a:off x="9953091" y="4954488"/>
+            <a:ext cx="762898" cy="1"/>
+          </a:xfrm>
+          <a:prstGeom prst="straightConnector1">
+            <a:avLst/>
+          </a:prstGeom>
+          <a:ln>
+            <a:tailEnd type="triangle"/>
+          </a:ln>
+        </p:spPr>
+        <p:style>
+          <a:lnRef idx="1">
+            <a:schemeClr val="accent1"/>
+          </a:lnRef>
+          <a:fillRef idx="0">
+            <a:schemeClr val="accent1"/>
+          </a:fillRef>
+          <a:effectRef idx="0">
+            <a:schemeClr val="accent1"/>
+          </a:effectRef>
+          <a:fontRef idx="minor">
+            <a:schemeClr val="tx1"/>
+          </a:fontRef>
+        </p:style>
+      </p:cxnSp>
+      <p:sp>
+        <p:nvSpPr>
+          <p:cNvPr id="7" name="Rectangle 6"/>
+          <p:cNvSpPr/>
+          <p:nvPr/>
+        </p:nvSpPr>
+        <p:spPr>
+          <a:xfrm rot="16200000">
+            <a:off x="-132565" y="2747079"/>
+            <a:ext cx="1013419" cy="307777"/>
+          </a:xfrm>
+          <a:prstGeom prst="rect">
+            <a:avLst/>
+          </a:prstGeom>
+        </p:spPr>
+        <p:txBody>
+          <a:bodyPr wrap="none">
+            <a:spAutoFit/>
+          </a:bodyPr>
+          <a:lstStyle/>
+          <a:p>
+            <a:pPr algn="ctr">
+              <a:defRPr sz="1400" b="0" i="0" u="none" strike="noStrike" kern="1200" spc="0" baseline="0">
+                <a:solidFill>
+                  <a:prstClr val="black">
+                    <a:lumMod val="65000"/>
+                    <a:lumOff val="35000"/>
+                  </a:prstClr>
+                </a:solidFill>
+                <a:latin typeface="+mn-lt"/>
+                <a:ea typeface="+mn-ea"/>
+                <a:cs typeface="+mn-cs"/>
+              </a:defRPr>
+            </a:pPr>
+            <a:r>
+              <a:rPr lang="en-US" dirty="0"/>
+              <a:t>PRICE </a:t>
+            </a:r>
+            <a:r>
+              <a:rPr lang="en-US" dirty="0" smtClean="0"/>
+              <a:t>18PK</a:t>
+            </a:r>
+            <a:endParaRPr lang="en-US" dirty="0"/>
+          </a:p>
+        </p:txBody>
+      </p:sp>
+      <p:cxnSp>
+        <p:nvCxnSpPr>
+          <p:cNvPr id="8" name="Straight Arrow Connector 7"/>
+          <p:cNvCxnSpPr/>
+          <p:nvPr/>
+        </p:nvCxnSpPr>
+        <p:spPr>
+          <a:xfrm flipV="1">
+            <a:off x="348809" y="1378040"/>
+            <a:ext cx="25336" cy="862885"/>
+          </a:xfrm>
+          <a:prstGeom prst="straightConnector1">
+            <a:avLst/>
+          </a:prstGeom>
+          <a:ln>
+            <a:tailEnd type="triangle"/>
+          </a:ln>
+        </p:spPr>
+        <p:style>
+          <a:lnRef idx="1">
+            <a:schemeClr val="accent1"/>
+          </a:lnRef>
+          <a:fillRef idx="0">
+            <a:schemeClr val="accent1"/>
+          </a:fillRef>
+          <a:effectRef idx="0">
+            <a:schemeClr val="accent1"/>
+          </a:effectRef>
+          <a:fontRef idx="minor">
+            <a:schemeClr val="tx1"/>
+          </a:fontRef>
+        </p:style>
+      </p:cxnSp>
     </p:spTree>
     <p:extLst>
       <p:ext uri="{BB962C8B-B14F-4D97-AF65-F5344CB8AC3E}">
@@ -18412,14 +18528,14 @@
           <p:nvPr>
             <p:extLst>
               <p:ext uri="{D42A27DB-BD31-4B8C-83A1-F6EECF244321}">
-                <p14:modId xmlns:p14="http://schemas.microsoft.com/office/powerpoint/2010/main" val="1843763112"/>
+                <p14:modId xmlns:p14="http://schemas.microsoft.com/office/powerpoint/2010/main" val="4080444843"/>
               </p:ext>
             </p:extLst>
           </p:nvPr>
         </p:nvGraphicFramePr>
         <p:xfrm>
-          <a:off x="154745" y="1533378"/>
-          <a:ext cx="12037255" cy="3953022"/>
+          <a:off x="1056068" y="1533378"/>
+          <a:ext cx="10341735" cy="3953022"/>
         </p:xfrm>
         <a:graphic>
           <a:graphicData uri="http://schemas.openxmlformats.org/drawingml/2006/chart">
@@ -18458,6 +18574,162 @@
           </a:p>
         </p:txBody>
       </p:sp>
+      <p:sp>
+        <p:nvSpPr>
+          <p:cNvPr id="4" name="Rectangle 3"/>
+          <p:cNvSpPr/>
+          <p:nvPr/>
+        </p:nvSpPr>
+        <p:spPr>
+          <a:xfrm rot="16200000">
+            <a:off x="-69248" y="2902418"/>
+            <a:ext cx="1013419" cy="307777"/>
+          </a:xfrm>
+          <a:prstGeom prst="rect">
+            <a:avLst/>
+          </a:prstGeom>
+        </p:spPr>
+        <p:txBody>
+          <a:bodyPr wrap="none">
+            <a:spAutoFit/>
+          </a:bodyPr>
+          <a:lstStyle/>
+          <a:p>
+            <a:pPr algn="ctr">
+              <a:defRPr sz="1400" b="0" i="0" u="none" strike="noStrike" kern="1200" spc="0" baseline="0">
+                <a:solidFill>
+                  <a:prstClr val="black">
+                    <a:lumMod val="65000"/>
+                    <a:lumOff val="35000"/>
+                  </a:prstClr>
+                </a:solidFill>
+                <a:latin typeface="+mn-lt"/>
+                <a:ea typeface="+mn-ea"/>
+                <a:cs typeface="+mn-cs"/>
+              </a:defRPr>
+            </a:pPr>
+            <a:r>
+              <a:rPr lang="en-US" dirty="0"/>
+              <a:t>PRICE </a:t>
+            </a:r>
+            <a:r>
+              <a:rPr lang="en-US" dirty="0" smtClean="0"/>
+              <a:t>30PK</a:t>
+            </a:r>
+            <a:endParaRPr lang="en-US" dirty="0"/>
+          </a:p>
+        </p:txBody>
+      </p:sp>
+      <p:cxnSp>
+        <p:nvCxnSpPr>
+          <p:cNvPr id="5" name="Straight Arrow Connector 4"/>
+          <p:cNvCxnSpPr/>
+          <p:nvPr/>
+        </p:nvCxnSpPr>
+        <p:spPr>
+          <a:xfrm flipV="1">
+            <a:off x="412126" y="1533379"/>
+            <a:ext cx="25336" cy="862885"/>
+          </a:xfrm>
+          <a:prstGeom prst="straightConnector1">
+            <a:avLst/>
+          </a:prstGeom>
+          <a:ln>
+            <a:tailEnd type="triangle"/>
+          </a:ln>
+        </p:spPr>
+        <p:style>
+          <a:lnRef idx="1">
+            <a:schemeClr val="accent1"/>
+          </a:lnRef>
+          <a:fillRef idx="0">
+            <a:schemeClr val="accent1"/>
+          </a:fillRef>
+          <a:effectRef idx="0">
+            <a:schemeClr val="accent1"/>
+          </a:effectRef>
+          <a:fontRef idx="minor">
+            <a:schemeClr val="tx1"/>
+          </a:fontRef>
+        </p:style>
+      </p:cxnSp>
+      <p:sp>
+        <p:nvSpPr>
+          <p:cNvPr id="6" name="Rectangle 5"/>
+          <p:cNvSpPr/>
+          <p:nvPr/>
+        </p:nvSpPr>
+        <p:spPr>
+          <a:xfrm>
+            <a:off x="9852537" y="5486400"/>
+            <a:ext cx="654346" cy="307777"/>
+          </a:xfrm>
+          <a:prstGeom prst="rect">
+            <a:avLst/>
+          </a:prstGeom>
+        </p:spPr>
+        <p:txBody>
+          <a:bodyPr wrap="none">
+            <a:spAutoFit/>
+          </a:bodyPr>
+          <a:lstStyle/>
+          <a:p>
+            <a:pPr algn="ctr">
+              <a:defRPr sz="1400" b="0" i="0" u="none" strike="noStrike" kern="1200" spc="0" baseline="0">
+                <a:solidFill>
+                  <a:prstClr val="black">
+                    <a:lumMod val="65000"/>
+                    <a:lumOff val="35000"/>
+                  </a:prstClr>
+                </a:solidFill>
+                <a:latin typeface="+mn-lt"/>
+                <a:ea typeface="+mn-ea"/>
+                <a:cs typeface="+mn-cs"/>
+              </a:defRPr>
+            </a:pPr>
+            <a:r>
+              <a:rPr lang="en-US" dirty="0" smtClean="0"/>
+              <a:t>WEEK </a:t>
+            </a:r>
+            <a:endParaRPr lang="en-US" dirty="0"/>
+          </a:p>
+        </p:txBody>
+      </p:sp>
+      <p:cxnSp>
+        <p:nvCxnSpPr>
+          <p:cNvPr id="7" name="Straight Arrow Connector 6"/>
+          <p:cNvCxnSpPr>
+            <a:stCxn id="6" idx="3"/>
+          </p:cNvCxnSpPr>
+          <p:nvPr/>
+        </p:nvCxnSpPr>
+        <p:spPr>
+          <a:xfrm flipV="1">
+            <a:off x="10506883" y="5640288"/>
+            <a:ext cx="762898" cy="1"/>
+          </a:xfrm>
+          <a:prstGeom prst="straightConnector1">
+            <a:avLst/>
+          </a:prstGeom>
+          <a:ln>
+            <a:tailEnd type="triangle"/>
+          </a:ln>
+        </p:spPr>
+        <p:style>
+          <a:lnRef idx="1">
+            <a:schemeClr val="accent1"/>
+          </a:lnRef>
+          <a:fillRef idx="0">
+            <a:schemeClr val="accent1"/>
+          </a:fillRef>
+          <a:effectRef idx="0">
+            <a:schemeClr val="accent1"/>
+          </a:effectRef>
+          <a:fontRef idx="minor">
+            <a:schemeClr val="tx1"/>
+          </a:fontRef>
+        </p:style>
+      </p:cxnSp>
     </p:spTree>
     <p:extLst>
       <p:ext uri="{BB962C8B-B14F-4D97-AF65-F5344CB8AC3E}">
@@ -18504,14 +18776,14 @@
           <p:nvPr>
             <p:extLst>
               <p:ext uri="{D42A27DB-BD31-4B8C-83A1-F6EECF244321}">
-                <p14:modId xmlns:p14="http://schemas.microsoft.com/office/powerpoint/2010/main" val="2003519650"/>
+                <p14:modId xmlns:p14="http://schemas.microsoft.com/office/powerpoint/2010/main" val="1819317993"/>
               </p:ext>
             </p:extLst>
           </p:nvPr>
         </p:nvGraphicFramePr>
         <p:xfrm>
-          <a:off x="0" y="900331"/>
-          <a:ext cx="12192000" cy="4825219"/>
+          <a:off x="682580" y="900331"/>
+          <a:ext cx="10174310" cy="4825219"/>
         </p:xfrm>
         <a:graphic>
           <a:graphicData uri="http://schemas.openxmlformats.org/drawingml/2006/chart">
@@ -18550,6 +18822,158 @@
           </a:p>
         </p:txBody>
       </p:sp>
+      <p:sp>
+        <p:nvSpPr>
+          <p:cNvPr id="4" name="Rectangle 3"/>
+          <p:cNvSpPr/>
+          <p:nvPr/>
+        </p:nvSpPr>
+        <p:spPr>
+          <a:xfrm>
+            <a:off x="9439646" y="5725550"/>
+            <a:ext cx="654346" cy="307777"/>
+          </a:xfrm>
+          <a:prstGeom prst="rect">
+            <a:avLst/>
+          </a:prstGeom>
+        </p:spPr>
+        <p:txBody>
+          <a:bodyPr wrap="none">
+            <a:spAutoFit/>
+          </a:bodyPr>
+          <a:lstStyle/>
+          <a:p>
+            <a:pPr algn="ctr">
+              <a:defRPr sz="1400" b="0" i="0" u="none" strike="noStrike" kern="1200" spc="0" baseline="0">
+                <a:solidFill>
+                  <a:prstClr val="black">
+                    <a:lumMod val="65000"/>
+                    <a:lumOff val="35000"/>
+                  </a:prstClr>
+                </a:solidFill>
+                <a:latin typeface="+mn-lt"/>
+                <a:ea typeface="+mn-ea"/>
+                <a:cs typeface="+mn-cs"/>
+              </a:defRPr>
+            </a:pPr>
+            <a:r>
+              <a:rPr lang="en-US" dirty="0" smtClean="0"/>
+              <a:t>WEEK </a:t>
+            </a:r>
+            <a:endParaRPr lang="en-US" dirty="0"/>
+          </a:p>
+        </p:txBody>
+      </p:sp>
+      <p:cxnSp>
+        <p:nvCxnSpPr>
+          <p:cNvPr id="6" name="Straight Arrow Connector 5"/>
+          <p:cNvCxnSpPr>
+            <a:stCxn id="4" idx="3"/>
+          </p:cNvCxnSpPr>
+          <p:nvPr/>
+        </p:nvCxnSpPr>
+        <p:spPr>
+          <a:xfrm flipV="1">
+            <a:off x="10093992" y="5879438"/>
+            <a:ext cx="762898" cy="1"/>
+          </a:xfrm>
+          <a:prstGeom prst="straightConnector1">
+            <a:avLst/>
+          </a:prstGeom>
+          <a:ln>
+            <a:tailEnd type="triangle"/>
+          </a:ln>
+        </p:spPr>
+        <p:style>
+          <a:lnRef idx="1">
+            <a:schemeClr val="accent1"/>
+          </a:lnRef>
+          <a:fillRef idx="0">
+            <a:schemeClr val="accent1"/>
+          </a:fillRef>
+          <a:effectRef idx="0">
+            <a:schemeClr val="accent1"/>
+          </a:effectRef>
+          <a:fontRef idx="minor">
+            <a:schemeClr val="tx1"/>
+          </a:fontRef>
+        </p:style>
+      </p:cxnSp>
+      <p:sp>
+        <p:nvSpPr>
+          <p:cNvPr id="7" name="Rectangle 6"/>
+          <p:cNvSpPr/>
+          <p:nvPr/>
+        </p:nvSpPr>
+        <p:spPr>
+          <a:xfrm rot="16200000">
+            <a:off x="-73320" y="2902418"/>
+            <a:ext cx="1021563" cy="307777"/>
+          </a:xfrm>
+          <a:prstGeom prst="rect">
+            <a:avLst/>
+          </a:prstGeom>
+        </p:spPr>
+        <p:txBody>
+          <a:bodyPr wrap="none">
+            <a:spAutoFit/>
+          </a:bodyPr>
+          <a:lstStyle/>
+          <a:p>
+            <a:pPr algn="ctr">
+              <a:defRPr sz="1400" b="0" i="0" u="none" strike="noStrike" kern="1200" spc="0" baseline="0">
+                <a:solidFill>
+                  <a:prstClr val="black">
+                    <a:lumMod val="65000"/>
+                    <a:lumOff val="35000"/>
+                  </a:prstClr>
+                </a:solidFill>
+                <a:latin typeface="+mn-lt"/>
+                <a:ea typeface="+mn-ea"/>
+                <a:cs typeface="+mn-cs"/>
+              </a:defRPr>
+            </a:pPr>
+            <a:r>
+              <a:rPr lang="en-US" dirty="0" smtClean="0"/>
+              <a:t>SALES 12PK</a:t>
+            </a:r>
+            <a:endParaRPr lang="en-US" dirty="0"/>
+          </a:p>
+        </p:txBody>
+      </p:sp>
+      <p:cxnSp>
+        <p:nvCxnSpPr>
+          <p:cNvPr id="8" name="Straight Arrow Connector 7"/>
+          <p:cNvCxnSpPr/>
+          <p:nvPr/>
+        </p:nvCxnSpPr>
+        <p:spPr>
+          <a:xfrm flipV="1">
+            <a:off x="412126" y="1533379"/>
+            <a:ext cx="25336" cy="862885"/>
+          </a:xfrm>
+          <a:prstGeom prst="straightConnector1">
+            <a:avLst/>
+          </a:prstGeom>
+          <a:ln>
+            <a:tailEnd type="triangle"/>
+          </a:ln>
+        </p:spPr>
+        <p:style>
+          <a:lnRef idx="1">
+            <a:schemeClr val="accent1"/>
+          </a:lnRef>
+          <a:fillRef idx="0">
+            <a:schemeClr val="accent1"/>
+          </a:fillRef>
+          <a:effectRef idx="0">
+            <a:schemeClr val="accent1"/>
+          </a:effectRef>
+          <a:fontRef idx="minor">
+            <a:schemeClr val="tx1"/>
+          </a:fontRef>
+        </p:style>
+      </p:cxnSp>
     </p:spTree>
     <p:extLst>
       <p:ext uri="{BB962C8B-B14F-4D97-AF65-F5344CB8AC3E}">
@@ -18596,14 +19020,14 @@
           <p:nvPr>
             <p:extLst>
               <p:ext uri="{D42A27DB-BD31-4B8C-83A1-F6EECF244321}">
-                <p14:modId xmlns:p14="http://schemas.microsoft.com/office/powerpoint/2010/main" val="1040661486"/>
+                <p14:modId xmlns:p14="http://schemas.microsoft.com/office/powerpoint/2010/main" val="1737771283"/>
               </p:ext>
             </p:extLst>
           </p:nvPr>
         </p:nvGraphicFramePr>
         <p:xfrm>
-          <a:off x="0" y="1223889"/>
-          <a:ext cx="12192000" cy="3868616"/>
+          <a:off x="940158" y="1223889"/>
+          <a:ext cx="10341735" cy="3868616"/>
         </p:xfrm>
         <a:graphic>
           <a:graphicData uri="http://schemas.openxmlformats.org/drawingml/2006/chart">
@@ -18642,6 +19066,158 @@
           </a:p>
         </p:txBody>
       </p:sp>
+      <p:sp>
+        <p:nvSpPr>
+          <p:cNvPr id="4" name="Rectangle 3"/>
+          <p:cNvSpPr/>
+          <p:nvPr/>
+        </p:nvSpPr>
+        <p:spPr>
+          <a:xfrm>
+            <a:off x="9619951" y="5092505"/>
+            <a:ext cx="654346" cy="307777"/>
+          </a:xfrm>
+          <a:prstGeom prst="rect">
+            <a:avLst/>
+          </a:prstGeom>
+        </p:spPr>
+        <p:txBody>
+          <a:bodyPr wrap="none">
+            <a:spAutoFit/>
+          </a:bodyPr>
+          <a:lstStyle/>
+          <a:p>
+            <a:pPr algn="ctr">
+              <a:defRPr sz="1400" b="0" i="0" u="none" strike="noStrike" kern="1200" spc="0" baseline="0">
+                <a:solidFill>
+                  <a:prstClr val="black">
+                    <a:lumMod val="65000"/>
+                    <a:lumOff val="35000"/>
+                  </a:prstClr>
+                </a:solidFill>
+                <a:latin typeface="+mn-lt"/>
+                <a:ea typeface="+mn-ea"/>
+                <a:cs typeface="+mn-cs"/>
+              </a:defRPr>
+            </a:pPr>
+            <a:r>
+              <a:rPr lang="en-US" dirty="0" smtClean="0"/>
+              <a:t>WEEK </a:t>
+            </a:r>
+            <a:endParaRPr lang="en-US" dirty="0"/>
+          </a:p>
+        </p:txBody>
+      </p:sp>
+      <p:cxnSp>
+        <p:nvCxnSpPr>
+          <p:cNvPr id="5" name="Straight Arrow Connector 4"/>
+          <p:cNvCxnSpPr>
+            <a:stCxn id="4" idx="3"/>
+          </p:cNvCxnSpPr>
+          <p:nvPr/>
+        </p:nvCxnSpPr>
+        <p:spPr>
+          <a:xfrm flipV="1">
+            <a:off x="10274297" y="5246393"/>
+            <a:ext cx="762898" cy="1"/>
+          </a:xfrm>
+          <a:prstGeom prst="straightConnector1">
+            <a:avLst/>
+          </a:prstGeom>
+          <a:ln>
+            <a:tailEnd type="triangle"/>
+          </a:ln>
+        </p:spPr>
+        <p:style>
+          <a:lnRef idx="1">
+            <a:schemeClr val="accent1"/>
+          </a:lnRef>
+          <a:fillRef idx="0">
+            <a:schemeClr val="accent1"/>
+          </a:fillRef>
+          <a:effectRef idx="0">
+            <a:schemeClr val="accent1"/>
+          </a:effectRef>
+          <a:fontRef idx="minor">
+            <a:schemeClr val="tx1"/>
+          </a:fontRef>
+        </p:style>
+      </p:cxnSp>
+      <p:sp>
+        <p:nvSpPr>
+          <p:cNvPr id="6" name="Rectangle 5"/>
+          <p:cNvSpPr/>
+          <p:nvPr/>
+        </p:nvSpPr>
+        <p:spPr>
+          <a:xfrm rot="16200000">
+            <a:off x="-73320" y="2902418"/>
+            <a:ext cx="1021563" cy="307777"/>
+          </a:xfrm>
+          <a:prstGeom prst="rect">
+            <a:avLst/>
+          </a:prstGeom>
+        </p:spPr>
+        <p:txBody>
+          <a:bodyPr wrap="none">
+            <a:spAutoFit/>
+          </a:bodyPr>
+          <a:lstStyle/>
+          <a:p>
+            <a:pPr algn="ctr">
+              <a:defRPr sz="1400" b="0" i="0" u="none" strike="noStrike" kern="1200" spc="0" baseline="0">
+                <a:solidFill>
+                  <a:prstClr val="black">
+                    <a:lumMod val="65000"/>
+                    <a:lumOff val="35000"/>
+                  </a:prstClr>
+                </a:solidFill>
+                <a:latin typeface="+mn-lt"/>
+                <a:ea typeface="+mn-ea"/>
+                <a:cs typeface="+mn-cs"/>
+              </a:defRPr>
+            </a:pPr>
+            <a:r>
+              <a:rPr lang="en-US" dirty="0" smtClean="0"/>
+              <a:t>SALES 18PK</a:t>
+            </a:r>
+            <a:endParaRPr lang="en-US" dirty="0"/>
+          </a:p>
+        </p:txBody>
+      </p:sp>
+      <p:cxnSp>
+        <p:nvCxnSpPr>
+          <p:cNvPr id="7" name="Straight Arrow Connector 6"/>
+          <p:cNvCxnSpPr/>
+          <p:nvPr/>
+        </p:nvCxnSpPr>
+        <p:spPr>
+          <a:xfrm flipV="1">
+            <a:off x="412126" y="1533379"/>
+            <a:ext cx="25336" cy="862885"/>
+          </a:xfrm>
+          <a:prstGeom prst="straightConnector1">
+            <a:avLst/>
+          </a:prstGeom>
+          <a:ln>
+            <a:tailEnd type="triangle"/>
+          </a:ln>
+        </p:spPr>
+        <p:style>
+          <a:lnRef idx="1">
+            <a:schemeClr val="accent1"/>
+          </a:lnRef>
+          <a:fillRef idx="0">
+            <a:schemeClr val="accent1"/>
+          </a:fillRef>
+          <a:effectRef idx="0">
+            <a:schemeClr val="accent1"/>
+          </a:effectRef>
+          <a:fontRef idx="minor">
+            <a:schemeClr val="tx1"/>
+          </a:fontRef>
+        </p:style>
+      </p:cxnSp>
     </p:spTree>
     <p:extLst>
       <p:ext uri="{BB962C8B-B14F-4D97-AF65-F5344CB8AC3E}">
@@ -18688,14 +19264,14 @@
           <p:nvPr>
             <p:extLst>
               <p:ext uri="{D42A27DB-BD31-4B8C-83A1-F6EECF244321}">
-                <p14:modId xmlns:p14="http://schemas.microsoft.com/office/powerpoint/2010/main" val="3588303165"/>
+                <p14:modId xmlns:p14="http://schemas.microsoft.com/office/powerpoint/2010/main" val="4136474785"/>
               </p:ext>
             </p:extLst>
           </p:nvPr>
         </p:nvGraphicFramePr>
         <p:xfrm>
-          <a:off x="1" y="1674824"/>
-          <a:ext cx="12192000" cy="4008523"/>
+          <a:off x="1313645" y="1674824"/>
+          <a:ext cx="9916732" cy="4008523"/>
         </p:xfrm>
         <a:graphic>
           <a:graphicData uri="http://schemas.openxmlformats.org/drawingml/2006/chart">
@@ -18734,6 +19310,158 @@
           </a:p>
         </p:txBody>
       </p:sp>
+      <p:sp>
+        <p:nvSpPr>
+          <p:cNvPr id="4" name="Rectangle 3"/>
+          <p:cNvSpPr/>
+          <p:nvPr/>
+        </p:nvSpPr>
+        <p:spPr>
+          <a:xfrm rot="16200000">
+            <a:off x="210015" y="3043863"/>
+            <a:ext cx="1021563" cy="307777"/>
+          </a:xfrm>
+          <a:prstGeom prst="rect">
+            <a:avLst/>
+          </a:prstGeom>
+        </p:spPr>
+        <p:txBody>
+          <a:bodyPr wrap="none">
+            <a:spAutoFit/>
+          </a:bodyPr>
+          <a:lstStyle/>
+          <a:p>
+            <a:pPr algn="ctr">
+              <a:defRPr sz="1400" b="0" i="0" u="none" strike="noStrike" kern="1200" spc="0" baseline="0">
+                <a:solidFill>
+                  <a:prstClr val="black">
+                    <a:lumMod val="65000"/>
+                    <a:lumOff val="35000"/>
+                  </a:prstClr>
+                </a:solidFill>
+                <a:latin typeface="+mn-lt"/>
+                <a:ea typeface="+mn-ea"/>
+                <a:cs typeface="+mn-cs"/>
+              </a:defRPr>
+            </a:pPr>
+            <a:r>
+              <a:rPr lang="en-US" dirty="0" smtClean="0"/>
+              <a:t>SALES 30PK</a:t>
+            </a:r>
+            <a:endParaRPr lang="en-US" dirty="0"/>
+          </a:p>
+        </p:txBody>
+      </p:sp>
+      <p:cxnSp>
+        <p:nvCxnSpPr>
+          <p:cNvPr id="5" name="Straight Arrow Connector 4"/>
+          <p:cNvCxnSpPr/>
+          <p:nvPr/>
+        </p:nvCxnSpPr>
+        <p:spPr>
+          <a:xfrm flipV="1">
+            <a:off x="695461" y="1674824"/>
+            <a:ext cx="25336" cy="862885"/>
+          </a:xfrm>
+          <a:prstGeom prst="straightConnector1">
+            <a:avLst/>
+          </a:prstGeom>
+          <a:ln>
+            <a:tailEnd type="triangle"/>
+          </a:ln>
+        </p:spPr>
+        <p:style>
+          <a:lnRef idx="1">
+            <a:schemeClr val="accent1"/>
+          </a:lnRef>
+          <a:fillRef idx="0">
+            <a:schemeClr val="accent1"/>
+          </a:fillRef>
+          <a:effectRef idx="0">
+            <a:schemeClr val="accent1"/>
+          </a:effectRef>
+          <a:fontRef idx="minor">
+            <a:schemeClr val="tx1"/>
+          </a:fontRef>
+        </p:style>
+      </p:cxnSp>
+      <p:sp>
+        <p:nvSpPr>
+          <p:cNvPr id="6" name="Rectangle 5"/>
+          <p:cNvSpPr/>
+          <p:nvPr/>
+        </p:nvSpPr>
+        <p:spPr>
+          <a:xfrm>
+            <a:off x="9813133" y="5800843"/>
+            <a:ext cx="654346" cy="307777"/>
+          </a:xfrm>
+          <a:prstGeom prst="rect">
+            <a:avLst/>
+          </a:prstGeom>
+        </p:spPr>
+        <p:txBody>
+          <a:bodyPr wrap="none">
+            <a:spAutoFit/>
+          </a:bodyPr>
+          <a:lstStyle/>
+          <a:p>
+            <a:pPr algn="ctr">
+              <a:defRPr sz="1400" b="0" i="0" u="none" strike="noStrike" kern="1200" spc="0" baseline="0">
+                <a:solidFill>
+                  <a:prstClr val="black">
+                    <a:lumMod val="65000"/>
+                    <a:lumOff val="35000"/>
+                  </a:prstClr>
+                </a:solidFill>
+                <a:latin typeface="+mn-lt"/>
+                <a:ea typeface="+mn-ea"/>
+                <a:cs typeface="+mn-cs"/>
+              </a:defRPr>
+            </a:pPr>
+            <a:r>
+              <a:rPr lang="en-US" dirty="0" smtClean="0"/>
+              <a:t>WEEK </a:t>
+            </a:r>
+            <a:endParaRPr lang="en-US" dirty="0"/>
+          </a:p>
+        </p:txBody>
+      </p:sp>
+      <p:cxnSp>
+        <p:nvCxnSpPr>
+          <p:cNvPr id="7" name="Straight Arrow Connector 6"/>
+          <p:cNvCxnSpPr>
+            <a:stCxn id="6" idx="3"/>
+          </p:cNvCxnSpPr>
+          <p:nvPr/>
+        </p:nvCxnSpPr>
+        <p:spPr>
+          <a:xfrm flipV="1">
+            <a:off x="10467479" y="5954731"/>
+            <a:ext cx="762898" cy="1"/>
+          </a:xfrm>
+          <a:prstGeom prst="straightConnector1">
+            <a:avLst/>
+          </a:prstGeom>
+          <a:ln>
+            <a:tailEnd type="triangle"/>
+          </a:ln>
+        </p:spPr>
+        <p:style>
+          <a:lnRef idx="1">
+            <a:schemeClr val="accent1"/>
+          </a:lnRef>
+          <a:fillRef idx="0">
+            <a:schemeClr val="accent1"/>
+          </a:fillRef>
+          <a:effectRef idx="0">
+            <a:schemeClr val="accent1"/>
+          </a:effectRef>
+          <a:fontRef idx="minor">
+            <a:schemeClr val="tx1"/>
+          </a:fontRef>
+        </p:style>
+      </p:cxnSp>
     </p:spTree>
     <p:extLst>
       <p:ext uri="{BB962C8B-B14F-4D97-AF65-F5344CB8AC3E}">
